--- a/winner_loser_data-lunch.pptx
+++ b/winner_loser_data-lunch.pptx
@@ -219,7 +219,7 @@
           <a:p>
             <a:fld id="{ED31534B-E250-4BB8-B76E-5D5512088B25}" type="datetimeFigureOut">
               <a:rPr lang="en-CA" smtClean="0"/>
-              <a:t>2024-01-26</a:t>
+              <a:t>2024-01-27</a:t>
             </a:fld>
             <a:endParaRPr lang="en-CA"/>
           </a:p>
@@ -940,7 +940,7 @@
           <a:p>
             <a:fld id="{F309B510-1CDE-47CA-9645-280514D4C50C}" type="datetimeFigureOut">
               <a:rPr lang="en-CA" smtClean="0"/>
-              <a:t>2024-01-26</a:t>
+              <a:t>2024-01-27</a:t>
             </a:fld>
             <a:endParaRPr lang="en-CA"/>
           </a:p>
@@ -1140,7 +1140,7 @@
           <a:p>
             <a:fld id="{F309B510-1CDE-47CA-9645-280514D4C50C}" type="datetimeFigureOut">
               <a:rPr lang="en-CA" smtClean="0"/>
-              <a:t>2024-01-26</a:t>
+              <a:t>2024-01-27</a:t>
             </a:fld>
             <a:endParaRPr lang="en-CA"/>
           </a:p>
@@ -1350,7 +1350,7 @@
           <a:p>
             <a:fld id="{F309B510-1CDE-47CA-9645-280514D4C50C}" type="datetimeFigureOut">
               <a:rPr lang="en-CA" smtClean="0"/>
-              <a:t>2024-01-26</a:t>
+              <a:t>2024-01-27</a:t>
             </a:fld>
             <a:endParaRPr lang="en-CA"/>
           </a:p>
@@ -1550,7 +1550,7 @@
           <a:p>
             <a:fld id="{F309B510-1CDE-47CA-9645-280514D4C50C}" type="datetimeFigureOut">
               <a:rPr lang="en-CA" smtClean="0"/>
-              <a:t>2024-01-26</a:t>
+              <a:t>2024-01-27</a:t>
             </a:fld>
             <a:endParaRPr lang="en-CA"/>
           </a:p>
@@ -1826,7 +1826,7 @@
           <a:p>
             <a:fld id="{F309B510-1CDE-47CA-9645-280514D4C50C}" type="datetimeFigureOut">
               <a:rPr lang="en-CA" smtClean="0"/>
-              <a:t>2024-01-26</a:t>
+              <a:t>2024-01-27</a:t>
             </a:fld>
             <a:endParaRPr lang="en-CA"/>
           </a:p>
@@ -2094,7 +2094,7 @@
           <a:p>
             <a:fld id="{F309B510-1CDE-47CA-9645-280514D4C50C}" type="datetimeFigureOut">
               <a:rPr lang="en-CA" smtClean="0"/>
-              <a:t>2024-01-26</a:t>
+              <a:t>2024-01-27</a:t>
             </a:fld>
             <a:endParaRPr lang="en-CA"/>
           </a:p>
@@ -2509,7 +2509,7 @@
           <a:p>
             <a:fld id="{F309B510-1CDE-47CA-9645-280514D4C50C}" type="datetimeFigureOut">
               <a:rPr lang="en-CA" smtClean="0"/>
-              <a:t>2024-01-26</a:t>
+              <a:t>2024-01-27</a:t>
             </a:fld>
             <a:endParaRPr lang="en-CA"/>
           </a:p>
@@ -2651,7 +2651,7 @@
           <a:p>
             <a:fld id="{F309B510-1CDE-47CA-9645-280514D4C50C}" type="datetimeFigureOut">
               <a:rPr lang="en-CA" smtClean="0"/>
-              <a:t>2024-01-26</a:t>
+              <a:t>2024-01-27</a:t>
             </a:fld>
             <a:endParaRPr lang="en-CA"/>
           </a:p>
@@ -2764,7 +2764,7 @@
           <a:p>
             <a:fld id="{F309B510-1CDE-47CA-9645-280514D4C50C}" type="datetimeFigureOut">
               <a:rPr lang="en-CA" smtClean="0"/>
-              <a:t>2024-01-26</a:t>
+              <a:t>2024-01-27</a:t>
             </a:fld>
             <a:endParaRPr lang="en-CA"/>
           </a:p>
@@ -3077,7 +3077,7 @@
           <a:p>
             <a:fld id="{F309B510-1CDE-47CA-9645-280514D4C50C}" type="datetimeFigureOut">
               <a:rPr lang="en-CA" smtClean="0"/>
-              <a:t>2024-01-26</a:t>
+              <a:t>2024-01-27</a:t>
             </a:fld>
             <a:endParaRPr lang="en-CA"/>
           </a:p>
@@ -3366,7 +3366,7 @@
           <a:p>
             <a:fld id="{F309B510-1CDE-47CA-9645-280514D4C50C}" type="datetimeFigureOut">
               <a:rPr lang="en-CA" smtClean="0"/>
-              <a:t>2024-01-26</a:t>
+              <a:t>2024-01-27</a:t>
             </a:fld>
             <a:endParaRPr lang="en-CA"/>
           </a:p>
@@ -3609,7 +3609,7 @@
           <a:p>
             <a:fld id="{F309B510-1CDE-47CA-9645-280514D4C50C}" type="datetimeFigureOut">
               <a:rPr lang="en-CA" smtClean="0"/>
-              <a:t>2024-01-26</a:t>
+              <a:t>2024-01-27</a:t>
             </a:fld>
             <a:endParaRPr lang="en-CA"/>
           </a:p>
@@ -6020,7 +6020,7 @@
                 <a:ea typeface="Times New Roman" panose="02020603050405020304" pitchFamily="18" charset="0"/>
                 <a:cs typeface="Times New Roman" panose="02020603050405020304" pitchFamily="18" charset="0"/>
               </a:rPr>
-              <a:t>(Q</a:t>
+              <a:t>(Qm</a:t>
             </a:r>
             <a:r>
               <a:rPr lang="en-CA" sz="2400" kern="0" baseline="-25000" dirty="0">
@@ -6032,7 +6032,7 @@
                 <a:ea typeface="Times New Roman" panose="02020603050405020304" pitchFamily="18" charset="0"/>
                 <a:cs typeface="Times New Roman" panose="02020603050405020304" pitchFamily="18" charset="0"/>
               </a:rPr>
-              <a:t>M</a:t>
+              <a:t>1</a:t>
             </a:r>
             <a:r>
               <a:rPr lang="en-CA" sz="2400" kern="0" dirty="0">
@@ -6086,7 +6086,7 @@
         </p:blipFill>
         <p:spPr>
           <a:xfrm>
-            <a:off x="1692399" y="1744654"/>
+            <a:off x="1719831" y="1761907"/>
             <a:ext cx="8534003" cy="4921332"/>
           </a:xfrm>
           <a:prstGeom prst="rect">
@@ -6255,7 +6255,7 @@
               <a:t>(Q</a:t>
             </a:r>
             <a:r>
-              <a:rPr lang="en-CA" sz="2400" kern="0" baseline="-25000" dirty="0">
+              <a:rPr lang="en-CA" sz="2400" kern="0" dirty="0">
                 <a:solidFill>
                   <a:srgbClr val="000000"/>
                 </a:solidFill>
@@ -6263,7 +6263,18 @@
                 <a:ea typeface="Times New Roman" panose="02020603050405020304" pitchFamily="18" charset="0"/>
                 <a:cs typeface="Times New Roman" panose="02020603050405020304" pitchFamily="18" charset="0"/>
               </a:rPr>
-              <a:t>M </a:t>
+              <a:t>m</a:t>
+            </a:r>
+            <a:r>
+              <a:rPr lang="en-CA" sz="2400" kern="0" baseline="-25000" dirty="0">
+                <a:solidFill>
+                  <a:srgbClr val="000000"/>
+                </a:solidFill>
+                <a:latin typeface="Verdana" panose="020B0604030504040204" pitchFamily="34" charset="0"/>
+                <a:ea typeface="Times New Roman" panose="02020603050405020304" pitchFamily="18" charset="0"/>
+                <a:cs typeface="Times New Roman" panose="02020603050405020304" pitchFamily="18" charset="0"/>
+              </a:rPr>
+              <a:t>1 </a:t>
             </a:r>
             <a:r>
               <a:rPr lang="en-CA" sz="2400" kern="0" dirty="0">
@@ -6437,10 +6448,21 @@
                 <a:ea typeface="Times New Roman" panose="02020603050405020304" pitchFamily="18" charset="0"/>
                 <a:cs typeface="Times New Roman" panose="02020603050405020304" pitchFamily="18" charset="0"/>
               </a:rPr>
-              <a:t>(Q</a:t>
+              <a:t>(Qm</a:t>
             </a:r>
             <a:r>
               <a:rPr lang="en-CA" sz="2400" kern="0" baseline="-25000" dirty="0">
+                <a:solidFill>
+                  <a:srgbClr val="000000"/>
+                </a:solidFill>
+                <a:latin typeface="Verdana" panose="020B0604030504040204" pitchFamily="34" charset="0"/>
+                <a:ea typeface="Times New Roman" panose="02020603050405020304" pitchFamily="18" charset="0"/>
+                <a:cs typeface="Times New Roman" panose="02020603050405020304" pitchFamily="18" charset="0"/>
+              </a:rPr>
+              <a:t>6</a:t>
+            </a:r>
+            <a:r>
+              <a:rPr lang="en-CA" sz="2400" kern="0" dirty="0">
                 <a:solidFill>
                   <a:srgbClr val="000000"/>
                 </a:solidFill>
@@ -6449,19 +6471,7 @@
                 <a:ea typeface="Times New Roman" panose="02020603050405020304" pitchFamily="18" charset="0"/>
                 <a:cs typeface="Times New Roman" panose="02020603050405020304" pitchFamily="18" charset="0"/>
               </a:rPr>
-              <a:t>M</a:t>
-            </a:r>
-            <a:r>
-              <a:rPr lang="en-CA" sz="2400" kern="0" dirty="0">
-                <a:solidFill>
-                  <a:srgbClr val="000000"/>
-                </a:solidFill>
-                <a:effectLst/>
-                <a:latin typeface="Verdana" panose="020B0604030504040204" pitchFamily="34" charset="0"/>
-                <a:ea typeface="Times New Roman" panose="02020603050405020304" pitchFamily="18" charset="0"/>
-                <a:cs typeface="Times New Roman" panose="02020603050405020304" pitchFamily="18" charset="0"/>
-              </a:rPr>
-              <a:t> = 3.00; </a:t>
+              <a:t> =; </a:t>
             </a:r>
             <a:r>
               <a:rPr lang="it-IT" sz="2400" kern="0" dirty="0">
@@ -7011,10 +7021,10 @@
       </p:sp>
       <p:pic>
         <p:nvPicPr>
-          <p:cNvPr id="6" name="Picture 5">
-            <a:extLst>
-              <a:ext uri="{FF2B5EF4-FFF2-40B4-BE49-F238E27FC236}">
-                <a16:creationId xmlns:a16="http://schemas.microsoft.com/office/drawing/2014/main" id="{A3764556-B0B4-6367-3837-734105F7241A}"/>
+          <p:cNvPr id="2" name="Picture 1" descr="A diagram of a graph&#10;&#10;Description automatically generated">
+            <a:extLst>
+              <a:ext uri="{FF2B5EF4-FFF2-40B4-BE49-F238E27FC236}">
+                <a16:creationId xmlns:a16="http://schemas.microsoft.com/office/drawing/2014/main" id="{C8B96897-48DD-D937-A0FB-E61B8781B258}"/>
               </a:ext>
             </a:extLst>
           </p:cNvPr>
@@ -7024,15 +7034,21 @@
           <p:nvPr/>
         </p:nvPicPr>
         <p:blipFill>
-          <a:blip r:embed="rId2"/>
+          <a:blip r:embed="rId2">
+            <a:extLst>
+              <a:ext uri="{28A0092B-C50C-407E-A947-70E740481C1C}">
+                <a14:useLocalDpi xmlns:a14="http://schemas.microsoft.com/office/drawing/2010/main" val="0"/>
+              </a:ext>
+            </a:extLst>
+          </a:blip>
           <a:stretch>
             <a:fillRect/>
           </a:stretch>
         </p:blipFill>
         <p:spPr>
           <a:xfrm>
-            <a:off x="2326398" y="1085522"/>
-            <a:ext cx="7539204" cy="5415019"/>
+            <a:off x="2906314" y="813447"/>
+            <a:ext cx="6379372" cy="5685320"/>
           </a:xfrm>
           <a:prstGeom prst="rect">
             <a:avLst/>
@@ -12349,7 +12365,29 @@
                 <a:ea typeface="Calibri" panose="020F0502020204030204" pitchFamily="34" charset="0"/>
                 <a:cs typeface="Calibri" panose="020F0502020204030204" pitchFamily="34" charset="0"/>
               </a:rPr>
-              <a:t>We found 37 eligible studies that produced 169 total comparisons</a:t>
+              <a:t>We found 37 eligible studies that </a:t>
+            </a:r>
+            <a:r>
+              <a:rPr lang="en-CA" sz="2400" b="1">
+                <a:solidFill>
+                  <a:srgbClr val="000000"/>
+                </a:solidFill>
+                <a:latin typeface="Verdana" panose="020B0604030504040204" pitchFamily="34" charset="0"/>
+                <a:ea typeface="Calibri" panose="020F0502020204030204" pitchFamily="34" charset="0"/>
+                <a:cs typeface="Calibri" panose="020F0502020204030204" pitchFamily="34" charset="0"/>
+              </a:rPr>
+              <a:t>produced 168 </a:t>
+            </a:r>
+            <a:r>
+              <a:rPr lang="en-CA" sz="2400" b="1" dirty="0">
+                <a:solidFill>
+                  <a:srgbClr val="000000"/>
+                </a:solidFill>
+                <a:latin typeface="Verdana" panose="020B0604030504040204" pitchFamily="34" charset="0"/>
+                <a:ea typeface="Calibri" panose="020F0502020204030204" pitchFamily="34" charset="0"/>
+                <a:cs typeface="Calibri" panose="020F0502020204030204" pitchFamily="34" charset="0"/>
+              </a:rPr>
+              <a:t>total comparisons</a:t>
             </a:r>
             <a:endParaRPr lang="en-CA" sz="2400" dirty="0"/>
           </a:p>
